--- a/docs/netfilter/netfilter.pptx
+++ b/docs/netfilter/netfilter.pptx
@@ -125,7 +125,7 @@
 <file path=ppt/revisionInfo.xml><?xml version="1.0" encoding="utf-8"?>
 <p1510:revInfo xmlns:a="http://schemas.openxmlformats.org/drawingml/2006/main" xmlns:r="http://schemas.openxmlformats.org/officeDocument/2006/relationships" xmlns:p1510="http://schemas.microsoft.com/office/powerpoint/2015/10/main">
   <p1510:revLst>
-    <p1510:client id="{9DE47504-0A78-49D6-BFF2-2C183765402D}" v="3" dt="2019-01-11T10:21:17.409"/>
+    <p1510:client id="{D0274FE6-5CEE-404B-B9BD-E0DF7B55EA41}" v="353" dt="2019-12-17T06:07:32.753"/>
   </p1510:revLst>
 </p1510:revInfo>
 </file>
@@ -133,28 +133,31 @@
 <file path=ppt/changesInfos/changesInfo1.xml><?xml version="1.0" encoding="utf-8"?>
 <pc:chgInfo xmlns:a="http://schemas.openxmlformats.org/drawingml/2006/main" xmlns:r="http://schemas.openxmlformats.org/officeDocument/2006/relationships" xmlns:ac="http://schemas.microsoft.com/office/drawing/2013/main/command" xmlns:pc="http://schemas.microsoft.com/office/powerpoint/2013/main/command">
   <pc:docChgLst>
-    <pc:chgData name="Jinqing Yan" userId="b38728bc-07b0-4042-9de7-2af5f63a681d" providerId="ADAL" clId="{9DE47504-0A78-49D6-BFF2-2C183765402D}"/>
-    <pc:docChg chg="custSel modSld">
-      <pc:chgData name="Jinqing Yan" userId="b38728bc-07b0-4042-9de7-2af5f63a681d" providerId="ADAL" clId="{9DE47504-0A78-49D6-BFF2-2C183765402D}" dt="2019-01-11T10:21:17.380" v="3" actId="20577"/>
+    <pc:chgData name="Jinqing Yan" userId="b38728bc-07b0-4042-9de7-2af5f63a681d" providerId="ADAL" clId="{D0274FE6-5CEE-404B-B9BD-E0DF7B55EA41}"/>
+    <pc:docChg chg="modSld">
+      <pc:chgData name="Jinqing Yan" userId="b38728bc-07b0-4042-9de7-2af5f63a681d" providerId="ADAL" clId="{D0274FE6-5CEE-404B-B9BD-E0DF7B55EA41}" dt="2019-12-17T06:08:02.290" v="368" actId="20577"/>
       <pc:docMkLst>
         <pc:docMk/>
       </pc:docMkLst>
-      <pc:sldChg chg="modSp">
-        <pc:chgData name="Jinqing Yan" userId="b38728bc-07b0-4042-9de7-2af5f63a681d" providerId="ADAL" clId="{9DE47504-0A78-49D6-BFF2-2C183765402D}" dt="2019-01-11T10:21:17.380" v="3" actId="20577"/>
+      <pc:sldChg chg="modSp setBg">
+        <pc:chgData name="Jinqing Yan" userId="b38728bc-07b0-4042-9de7-2af5f63a681d" providerId="ADAL" clId="{D0274FE6-5CEE-404B-B9BD-E0DF7B55EA41}" dt="2019-12-17T06:08:02.290" v="368" actId="20577"/>
         <pc:sldMkLst>
           <pc:docMk/>
-          <pc:sldMk cId="1799823002" sldId="262"/>
+          <pc:sldMk cId="1999280633" sldId="260"/>
         </pc:sldMkLst>
         <pc:spChg chg="mod">
-          <ac:chgData name="Jinqing Yan" userId="b38728bc-07b0-4042-9de7-2af5f63a681d" providerId="ADAL" clId="{9DE47504-0A78-49D6-BFF2-2C183765402D}" dt="2019-01-11T10:21:17.380" v="3" actId="20577"/>
+          <ac:chgData name="Jinqing Yan" userId="b38728bc-07b0-4042-9de7-2af5f63a681d" providerId="ADAL" clId="{D0274FE6-5CEE-404B-B9BD-E0DF7B55EA41}" dt="2019-12-17T06:08:02.290" v="368" actId="20577"/>
           <ac:spMkLst>
             <pc:docMk/>
-            <pc:sldMk cId="1799823002" sldId="262"/>
-            <ac:spMk id="3" creationId="{AEE113CF-FFDC-4266-89D8-2515EBBC2D9F}"/>
+            <pc:sldMk cId="1999280633" sldId="260"/>
+            <ac:spMk id="2" creationId="{3BFC6FC9-AB76-4EC0-A22D-4125BF6D5646}"/>
           </ac:spMkLst>
         </pc:spChg>
       </pc:sldChg>
     </pc:docChg>
+  </pc:docChgLst>
+  <pc:docChgLst>
+    <pc:chgData name="Jinqing Yan" userId="b38728bc-07b0-4042-9de7-2af5f63a681d" providerId="ADAL" clId="{9DE47504-0A78-49D6-BFF2-2C183765402D}"/>
   </pc:docChgLst>
 </pc:chgInfo>
 </file>
@@ -241,7 +244,7 @@
           <a:p>
             <a:fld id="{50B7E428-205A-45CE-A1E2-B0113790CC99}" type="datetimeFigureOut">
               <a:rPr lang="en-US" smtClean="0"/>
-              <a:t>1/10/2019</a:t>
+              <a:t>11/27/2019</a:t>
             </a:fld>
             <a:endParaRPr lang="en-US"/>
           </a:p>
@@ -655,7 +658,7 @@
           <a:p>
             <a:fld id="{ADE239C1-DCD7-4059-B94C-A4D1A1BC9B8B}" type="datetime1">
               <a:rPr lang="en-US" smtClean="0"/>
-              <a:t>1/10/2019</a:t>
+              <a:t>11/27/2019</a:t>
             </a:fld>
             <a:endParaRPr lang="en-US"/>
           </a:p>
@@ -856,7 +859,7 @@
           <a:p>
             <a:fld id="{BF9CFC4E-B778-44F1-A415-EC88A0A9AB21}" type="datetime1">
               <a:rPr lang="en-US" smtClean="0"/>
-              <a:t>1/10/2019</a:t>
+              <a:t>11/27/2019</a:t>
             </a:fld>
             <a:endParaRPr lang="en-US"/>
           </a:p>
@@ -1067,7 +1070,7 @@
           <a:p>
             <a:fld id="{E4C1D400-792C-4B64-B804-CFBA8EA7BA2E}" type="datetime1">
               <a:rPr lang="en-US" smtClean="0"/>
-              <a:t>1/10/2019</a:t>
+              <a:t>11/27/2019</a:t>
             </a:fld>
             <a:endParaRPr lang="en-US"/>
           </a:p>
@@ -1268,7 +1271,7 @@
           <a:p>
             <a:fld id="{7AA623CD-4C06-40E6-96A0-8E43C1F3AF07}" type="datetime1">
               <a:rPr lang="en-US" smtClean="0"/>
-              <a:t>1/10/2019</a:t>
+              <a:t>11/27/2019</a:t>
             </a:fld>
             <a:endParaRPr lang="en-US"/>
           </a:p>
@@ -1546,7 +1549,7 @@
           <a:p>
             <a:fld id="{7B7BD4B4-EC12-44EC-B6A8-C4002D7179C1}" type="datetime1">
               <a:rPr lang="en-US" smtClean="0"/>
-              <a:t>1/10/2019</a:t>
+              <a:t>11/27/2019</a:t>
             </a:fld>
             <a:endParaRPr lang="en-US"/>
           </a:p>
@@ -1814,7 +1817,7 @@
           <a:p>
             <a:fld id="{D3236D07-83A0-43B0-8D02-1C51466D1CEA}" type="datetime1">
               <a:rPr lang="en-US" smtClean="0"/>
-              <a:t>1/10/2019</a:t>
+              <a:t>11/27/2019</a:t>
             </a:fld>
             <a:endParaRPr lang="en-US"/>
           </a:p>
@@ -2229,7 +2232,7 @@
           <a:p>
             <a:fld id="{4172CBF6-9798-4394-9C66-B0BADBA9BEDF}" type="datetime1">
               <a:rPr lang="en-US" smtClean="0"/>
-              <a:t>1/10/2019</a:t>
+              <a:t>11/27/2019</a:t>
             </a:fld>
             <a:endParaRPr lang="en-US"/>
           </a:p>
@@ -2373,7 +2376,7 @@
           <a:p>
             <a:fld id="{69808DFE-7A75-4500-B439-F2C96ED241E4}" type="datetime1">
               <a:rPr lang="en-US" smtClean="0"/>
-              <a:t>1/10/2019</a:t>
+              <a:t>11/27/2019</a:t>
             </a:fld>
             <a:endParaRPr lang="en-US"/>
           </a:p>
@@ -2489,7 +2492,7 @@
           <a:p>
             <a:fld id="{29CFAC3A-D088-41BB-B4FD-D5D48DD890FE}" type="datetime1">
               <a:rPr lang="en-US" smtClean="0"/>
-              <a:t>1/10/2019</a:t>
+              <a:t>11/27/2019</a:t>
             </a:fld>
             <a:endParaRPr lang="en-US"/>
           </a:p>
@@ -2803,7 +2806,7 @@
           <a:p>
             <a:fld id="{586A3517-7B25-461D-8275-2417CACA8AAE}" type="datetime1">
               <a:rPr lang="en-US" smtClean="0"/>
-              <a:t>1/10/2019</a:t>
+              <a:t>11/27/2019</a:t>
             </a:fld>
             <a:endParaRPr lang="en-US"/>
           </a:p>
@@ -3094,7 +3097,7 @@
           <a:p>
             <a:fld id="{3A90DD31-D91D-4DA6-A934-D56A862BC8CB}" type="datetime1">
               <a:rPr lang="en-US" smtClean="0"/>
-              <a:t>1/10/2019</a:t>
+              <a:t>11/27/2019</a:t>
             </a:fld>
             <a:endParaRPr lang="en-US"/>
           </a:p>
@@ -3338,7 +3341,7 @@
           <a:p>
             <a:fld id="{3714393E-0ECF-470F-BA30-93139845FCB9}" type="datetime1">
               <a:rPr lang="en-US" smtClean="0"/>
-              <a:t>1/10/2019</a:t>
+              <a:t>11/27/2019</a:t>
             </a:fld>
             <a:endParaRPr lang="en-US"/>
           </a:p>
@@ -3745,6 +3748,26 @@
 <file path=ppt/slides/slide1.xml><?xml version="1.0" encoding="utf-8"?>
 <p:sld xmlns:a="http://schemas.openxmlformats.org/drawingml/2006/main" xmlns:r="http://schemas.openxmlformats.org/officeDocument/2006/relationships" xmlns:p="http://schemas.openxmlformats.org/presentationml/2006/main">
   <p:cSld>
+    <p:bg>
+      <p:bgPr>
+        <a:gradFill flip="none" rotWithShape="1">
+          <a:gsLst>
+            <a:gs pos="0">
+              <a:schemeClr val="tx2"/>
+            </a:gs>
+            <a:gs pos="57000">
+              <a:schemeClr val="accent1">
+                <a:lumMod val="45000"/>
+                <a:lumOff val="55000"/>
+              </a:schemeClr>
+            </a:gs>
+          </a:gsLst>
+          <a:lin ang="16200000" scaled="1"/>
+          <a:tileRect/>
+        </a:gradFill>
+        <a:effectLst/>
+      </p:bgPr>
+    </p:bg>
     <p:spTree>
       <p:nvGrpSpPr>
         <p:cNvPr id="1" name=""/>
@@ -3788,8 +3811,21 @@
             <a:pPr algn="ctr"/>
             <a:r>
               <a:rPr lang="en-US" dirty="0"/>
-              <a:t>Linux NETFILTER &amp;&amp; IPTABLES</a:t>
-            </a:r>
+              <a:t>Linux </a:t>
+            </a:r>
+            <a:r>
+              <a:rPr lang="en-US" dirty="0" err="1"/>
+              <a:t>Netfilter</a:t>
+            </a:r>
+            <a:r>
+              <a:rPr lang="en-US" dirty="0"/>
+              <a:t> </a:t>
+            </a:r>
+            <a:r>
+              <a:rPr lang="en-US"/>
+              <a:t>&amp;&amp; iptables</a:t>
+            </a:r>
+            <a:endParaRPr lang="en-US" dirty="0"/>
           </a:p>
         </p:txBody>
       </p:sp>
@@ -3816,7 +3852,7 @@
           <a:p>
             <a:fld id="{7AA623CD-4C06-40E6-96A0-8E43C1F3AF07}" type="datetime1">
               <a:rPr lang="en-US" smtClean="0"/>
-              <a:t>1/10/2019</a:t>
+              <a:t>11/27/2019</a:t>
             </a:fld>
             <a:endParaRPr lang="en-US"/>
           </a:p>
@@ -4118,7 +4154,7 @@
           <a:p>
             <a:fld id="{7AA623CD-4C06-40E6-96A0-8E43C1F3AF07}" type="datetime1">
               <a:rPr lang="en-US" smtClean="0"/>
-              <a:t>1/10/2019</a:t>
+              <a:t>11/27/2019</a:t>
             </a:fld>
             <a:endParaRPr lang="en-US" dirty="0"/>
           </a:p>
@@ -5413,7 +5449,7 @@
           <a:p>
             <a:fld id="{E498BE7E-1DEA-43BF-AFFD-1373983ED1E9}" type="datetime1">
               <a:rPr lang="en-US" smtClean="0"/>
-              <a:t>1/10/2019</a:t>
+              <a:t>11/27/2019</a:t>
             </a:fld>
             <a:endParaRPr lang="en-US"/>
           </a:p>
@@ -5704,7 +5740,7 @@
           <a:p>
             <a:fld id="{7AA623CD-4C06-40E6-96A0-8E43C1F3AF07}" type="datetime1">
               <a:rPr lang="en-US" smtClean="0"/>
-              <a:t>1/11/2019</a:t>
+              <a:t>11/27/2019</a:t>
             </a:fld>
             <a:endParaRPr lang="en-US" dirty="0"/>
           </a:p>
@@ -7281,7 +7317,7 @@
           <a:p>
             <a:fld id="{4A939369-D3C1-4F93-A0F1-E23C7766DD62}" type="datetime1">
               <a:rPr lang="en-US" smtClean="0"/>
-              <a:t>1/10/2019</a:t>
+              <a:t>11/27/2019</a:t>
             </a:fld>
             <a:endParaRPr lang="en-US"/>
           </a:p>
@@ -8855,7 +8891,7 @@
           <a:p>
             <a:fld id="{7AA623CD-4C06-40E6-96A0-8E43C1F3AF07}" type="datetime1">
               <a:rPr lang="en-US" smtClean="0"/>
-              <a:t>1/10/2019</a:t>
+              <a:t>11/27/2019</a:t>
             </a:fld>
             <a:endParaRPr lang="en-US" dirty="0"/>
           </a:p>
@@ -13044,7 +13080,7 @@
           <a:p>
             <a:fld id="{12D2C9CA-69E4-4C29-BA34-FBBD17854F17}" type="datetime1">
               <a:rPr lang="en-US" smtClean="0"/>
-              <a:t>1/10/2019</a:t>
+              <a:t>11/27/2019</a:t>
             </a:fld>
             <a:endParaRPr lang="en-US"/>
           </a:p>
